--- a/1-hafta-pazartesi-odevi-tubaargin.pptx
+++ b/1-hafta-pazartesi-odevi-tubaargin.pptx
@@ -3721,18 +3721,11 @@
               <a:t>3) </a:t>
             </a:r>
             <a:r>
-              <a:rPr lang="tr-TR" sz="2400" cap="none">
-                <a:latin typeface="Arial" panose="020B0604020202020204" pitchFamily="34" charset="0"/>
-                <a:cs typeface="Arial" panose="020B0604020202020204" pitchFamily="34" charset="0"/>
-              </a:rPr>
-              <a:t>NPM NODE.JS </a:t>
-            </a:r>
-            <a:r>
               <a:rPr lang="tr-TR" sz="2400" cap="none" dirty="0">
                 <a:latin typeface="Arial" panose="020B0604020202020204" pitchFamily="34" charset="0"/>
                 <a:cs typeface="Arial" panose="020B0604020202020204" pitchFamily="34" charset="0"/>
               </a:rPr>
-              <a:t>NEDİR? </a:t>
+              <a:t>NPM NODE.JS NEDİR? </a:t>
             </a:r>
             <a:br>
               <a:rPr lang="tr-TR" sz="2400" cap="none" dirty="0">
@@ -3900,114 +3893,76 @@
                 <a:latin typeface="Arial" panose="020B0604020202020204" pitchFamily="34" charset="0"/>
                 <a:cs typeface="Arial" panose="020B0604020202020204" pitchFamily="34" charset="0"/>
               </a:rPr>
-              <a:t>URL(</a:t>
-            </a:r>
-            <a:r>
-              <a:rPr lang="tr-TR" sz="1900" b="1" dirty="0" err="1">
-                <a:latin typeface="Arial" panose="020B0604020202020204" pitchFamily="34" charset="0"/>
-                <a:cs typeface="Arial" panose="020B0604020202020204" pitchFamily="34" charset="0"/>
-              </a:rPr>
-              <a:t>Uniform</a:t>
+              <a:t>URL (Uniform Resource Locator -Tekdüzen Kaynak Bulucu): </a:t>
+            </a:r>
+            <a:r>
+              <a:rPr lang="tr-TR" sz="1900" dirty="0">
+                <a:latin typeface="Arial" panose="020B0604020202020204" pitchFamily="34" charset="0"/>
+                <a:cs typeface="Arial" panose="020B0604020202020204" pitchFamily="34" charset="0"/>
+              </a:rPr>
+              <a:t>İnternette</a:t>
             </a:r>
             <a:r>
               <a:rPr lang="tr-TR" sz="1900" b="1" dirty="0">
                 <a:latin typeface="Arial" panose="020B0604020202020204" pitchFamily="34" charset="0"/>
                 <a:cs typeface="Arial" panose="020B0604020202020204" pitchFamily="34" charset="0"/>
               </a:rPr>
-              <a:t> Resource </a:t>
-            </a:r>
-            <a:r>
-              <a:rPr lang="tr-TR" sz="1900" b="1" dirty="0" err="1">
-                <a:latin typeface="Arial" panose="020B0604020202020204" pitchFamily="34" charset="0"/>
-                <a:cs typeface="Arial" panose="020B0604020202020204" pitchFamily="34" charset="0"/>
-              </a:rPr>
-              <a:t>Locator</a:t>
-            </a:r>
+              <a:t> </a:t>
+            </a:r>
+            <a:r>
+              <a:rPr lang="tr-TR" sz="1900" dirty="0">
+                <a:latin typeface="Arial" panose="020B0604020202020204" pitchFamily="34" charset="0"/>
+                <a:cs typeface="Arial" panose="020B0604020202020204" pitchFamily="34" charset="0"/>
+              </a:rPr>
+              <a:t>bir kaynağın yerini işaret eden (sayfa, belge, resim vb.) belirli bir formata sahip karakter dizgisidir.</a:t>
+            </a:r>
+          </a:p>
+          <a:p>
             <a:r>
               <a:rPr lang="tr-TR" sz="1900" b="1" dirty="0">
                 <a:latin typeface="Arial" panose="020B0604020202020204" pitchFamily="34" charset="0"/>
                 <a:cs typeface="Arial" panose="020B0604020202020204" pitchFamily="34" charset="0"/>
               </a:rPr>
-              <a:t> -Tekdüzen Kaynak Bulucu): </a:t>
+              <a:t>URI (Uniform Resource Identifier -Tekdüzen Kaynak Tanımlayıcı):</a:t>
             </a:r>
             <a:r>
               <a:rPr lang="tr-TR" sz="1900" dirty="0">
                 <a:latin typeface="Arial" panose="020B0604020202020204" pitchFamily="34" charset="0"/>
                 <a:cs typeface="Arial" panose="020B0604020202020204" pitchFamily="34" charset="0"/>
               </a:rPr>
-              <a:t>İnternette</a:t>
+              <a:t> Bir kaynağı, adı veya her ikisini de tanımlamak için kullanılan karakter dizgisidir. Kısaca bir URL'nin altında bulunan kaynağın tam yoluna işaret eder.</a:t>
             </a:r>
             <a:r>
               <a:rPr lang="tr-TR" sz="1900" b="1" dirty="0">
                 <a:latin typeface="Arial" panose="020B0604020202020204" pitchFamily="34" charset="0"/>
                 <a:cs typeface="Arial" panose="020B0604020202020204" pitchFamily="34" charset="0"/>
               </a:rPr>
-              <a:t> </a:t>
+              <a:t> </a:t>
             </a:r>
             <a:r>
               <a:rPr lang="tr-TR" sz="1900" dirty="0">
                 <a:latin typeface="Arial" panose="020B0604020202020204" pitchFamily="34" charset="0"/>
                 <a:cs typeface="Arial" panose="020B0604020202020204" pitchFamily="34" charset="0"/>
               </a:rPr>
-              <a:t>bir kaynağın yerini işaret eden (sayfa, belge, resim vb.) belirli bir formata sahip karakter dizgisidir.</a:t>
-            </a:r>
-          </a:p>
-          <a:p>
-            <a:r>
-              <a:rPr lang="tr-TR" sz="1900" b="1" dirty="0">
-                <a:latin typeface="Arial" panose="020B0604020202020204" pitchFamily="34" charset="0"/>
-                <a:cs typeface="Arial" panose="020B0604020202020204" pitchFamily="34" charset="0"/>
-              </a:rPr>
-              <a:t>URI(</a:t>
-            </a:r>
-            <a:r>
-              <a:rPr lang="tr-TR" sz="1900" b="1" dirty="0" err="1">
-                <a:latin typeface="Arial" panose="020B0604020202020204" pitchFamily="34" charset="0"/>
-                <a:cs typeface="Arial" panose="020B0604020202020204" pitchFamily="34" charset="0"/>
-              </a:rPr>
-              <a:t>Uniform</a:t>
-            </a:r>
-            <a:r>
-              <a:rPr lang="tr-TR" sz="1900" b="1" dirty="0">
-                <a:latin typeface="Arial" panose="020B0604020202020204" pitchFamily="34" charset="0"/>
-                <a:cs typeface="Arial" panose="020B0604020202020204" pitchFamily="34" charset="0"/>
-              </a:rPr>
-              <a:t> Resource </a:t>
-            </a:r>
-            <a:r>
-              <a:rPr lang="tr-TR" sz="1900" b="1" dirty="0" err="1">
-                <a:latin typeface="Arial" panose="020B0604020202020204" pitchFamily="34" charset="0"/>
-                <a:cs typeface="Arial" panose="020B0604020202020204" pitchFamily="34" charset="0"/>
-              </a:rPr>
-              <a:t>Identifier</a:t>
-            </a:r>
-            <a:r>
-              <a:rPr lang="tr-TR" sz="1900" b="1" dirty="0">
-                <a:latin typeface="Arial" panose="020B0604020202020204" pitchFamily="34" charset="0"/>
-                <a:cs typeface="Arial" panose="020B0604020202020204" pitchFamily="34" charset="0"/>
-              </a:rPr>
-              <a:t> -Tekdüzen Kaynak Tanımlayıcı):</a:t>
-            </a:r>
+              <a:t>URI altında URL ve URN olmak üzere iki alanı kapsar.</a:t>
+            </a:r>
+          </a:p>
+          <a:p>
             <a:r>
               <a:rPr lang="tr-TR" sz="1900" dirty="0">
                 <a:latin typeface="Arial" panose="020B0604020202020204" pitchFamily="34" charset="0"/>
                 <a:cs typeface="Arial" panose="020B0604020202020204" pitchFamily="34" charset="0"/>
               </a:rPr>
-              <a:t> Bir kaynağı, adı veya her ikisini de tanımlamak için kullanılan karakter dizgisidir. Kısaca bir URL'nin altında bulunan kaynağın tam yoluna işaret eder.</a:t>
-            </a:r>
-            <a:r>
-              <a:rPr lang="tr-TR" sz="1900" b="1" dirty="0">
-                <a:latin typeface="Arial" panose="020B0604020202020204" pitchFamily="34" charset="0"/>
-                <a:cs typeface="Arial" panose="020B0604020202020204" pitchFamily="34" charset="0"/>
-              </a:rPr>
-              <a:t> </a:t>
-            </a:r>
+              <a:t>URL ile URI arasındaki fark ise URL’ler ana kaynak, URI’ler ise detayları gösterir.</a:t>
+            </a:r>
+          </a:p>
+          <a:p>
             <a:r>
               <a:rPr lang="tr-TR" sz="1900" dirty="0">
                 <a:latin typeface="Arial" panose="020B0604020202020204" pitchFamily="34" charset="0"/>
                 <a:cs typeface="Arial" panose="020B0604020202020204" pitchFamily="34" charset="0"/>
               </a:rPr>
-              <a:t>URI altında URL ve URN olmak üzere iki alanı kapsar.</a:t>
+              <a:t>URL, bir web kaynağını yalnızca konumuna göre belirlemeye izin verirken, URI, adı veya konumu veya her ikisini de kullanarak bir web kaynağını tanımlamaya izin verir.</a:t>
             </a:r>
           </a:p>
           <a:p>
@@ -4016,53 +3971,7 @@
                 <a:latin typeface="Arial" panose="020B0604020202020204" pitchFamily="34" charset="0"/>
                 <a:cs typeface="Arial" panose="020B0604020202020204" pitchFamily="34" charset="0"/>
               </a:rPr>
-              <a:t>URL ile URI arasındaki fark ise URL’ler ana kaynak, </a:t>
-            </a:r>
-            <a:r>
-              <a:rPr lang="tr-TR" sz="1900" dirty="0" err="1">
-                <a:latin typeface="Arial" panose="020B0604020202020204" pitchFamily="34" charset="0"/>
-                <a:cs typeface="Arial" panose="020B0604020202020204" pitchFamily="34" charset="0"/>
-              </a:rPr>
-              <a:t>URI’ler</a:t>
-            </a:r>
-            <a:r>
-              <a:rPr lang="tr-TR" sz="1900" dirty="0">
-                <a:latin typeface="Arial" panose="020B0604020202020204" pitchFamily="34" charset="0"/>
-                <a:cs typeface="Arial" panose="020B0604020202020204" pitchFamily="34" charset="0"/>
-              </a:rPr>
-              <a:t> ise detayları gösterir.</a:t>
-            </a:r>
-          </a:p>
-          <a:p>
-            <a:r>
-              <a:rPr lang="tr-TR" sz="1900" dirty="0">
-                <a:latin typeface="Arial" panose="020B0604020202020204" pitchFamily="34" charset="0"/>
-                <a:cs typeface="Arial" panose="020B0604020202020204" pitchFamily="34" charset="0"/>
-              </a:rPr>
-              <a:t>URL, bir web kaynağını yalnızca konumuna göre belirlemeye izin verirken, URI, adı veya konumu veya her ikisini de kullanarak bir web kaynağını tanımlamaya izin verir.</a:t>
-            </a:r>
-          </a:p>
-          <a:p>
-            <a:r>
-              <a:rPr lang="tr-TR" sz="1900" dirty="0">
-                <a:latin typeface="Arial" panose="020B0604020202020204" pitchFamily="34" charset="0"/>
-                <a:cs typeface="Arial" panose="020B0604020202020204" pitchFamily="34" charset="0"/>
-              </a:rPr>
-              <a:t>Her URL, </a:t>
-            </a:r>
-            <a:r>
-              <a:rPr lang="tr-TR" sz="1900" dirty="0" err="1">
-                <a:latin typeface="Arial" panose="020B0604020202020204" pitchFamily="34" charset="0"/>
-                <a:cs typeface="Arial" panose="020B0604020202020204" pitchFamily="34" charset="0"/>
-              </a:rPr>
-              <a:t>URI’dır</a:t>
-            </a:r>
-            <a:r>
-              <a:rPr lang="tr-TR" sz="1900" dirty="0">
-                <a:latin typeface="Arial" panose="020B0604020202020204" pitchFamily="34" charset="0"/>
-                <a:cs typeface="Arial" panose="020B0604020202020204" pitchFamily="34" charset="0"/>
-              </a:rPr>
-              <a:t> ama her URI, URL değildir ve sadece tanımlayıcıdır.</a:t>
+              <a:t>Her URL, URI’dır ama her URI, URL değildir ve sadece tanımlayıcıdır.</a:t>
             </a:r>
           </a:p>
           <a:p>
@@ -4232,118 +4141,34 @@
                 <a:latin typeface="Arial" panose="020B0604020202020204" pitchFamily="34" charset="0"/>
                 <a:cs typeface="Arial" panose="020B0604020202020204" pitchFamily="34" charset="0"/>
               </a:rPr>
-              <a:t>HTTP (</a:t>
-            </a:r>
-            <a:r>
-              <a:rPr lang="tr-TR" sz="1900" b="1" dirty="0" err="1">
-                <a:latin typeface="Arial" panose="020B0604020202020204" pitchFamily="34" charset="0"/>
-                <a:cs typeface="Arial" panose="020B0604020202020204" pitchFamily="34" charset="0"/>
-              </a:rPr>
-              <a:t>Hypertext</a:t>
-            </a:r>
+              <a:t>HTTP (Hypertext Transfer Protocol – Hiper Metin Transferi Protokolü):  </a:t>
+            </a:r>
+            <a:r>
+              <a:rPr lang="tr-TR" sz="1900" dirty="0">
+                <a:latin typeface="Arial" panose="020B0604020202020204" pitchFamily="34" charset="0"/>
+                <a:cs typeface="Arial" panose="020B0604020202020204" pitchFamily="34" charset="0"/>
+              </a:rPr>
+              <a:t>Web tarayıcıdan veya istemciden gelen talepler ile web sunucularından gelen cevaplar arasındaki yolu sağlayan yapıdır. HTML belgeleri, resimler, videolar, sorgu sonuçları vb. veriler, World Wide Web'de TCP kullanılarak HTTP tarafından iletilir.</a:t>
+            </a:r>
+          </a:p>
+          <a:p>
+            <a:pPr fontAlgn="t"/>
             <a:r>
               <a:rPr lang="tr-TR" sz="1900" b="1" dirty="0">
                 <a:latin typeface="Arial" panose="020B0604020202020204" pitchFamily="34" charset="0"/>
                 <a:cs typeface="Arial" panose="020B0604020202020204" pitchFamily="34" charset="0"/>
               </a:rPr>
-              <a:t> Transfer Protocol – </a:t>
-            </a:r>
-            <a:r>
-              <a:rPr lang="tr-TR" sz="1900" b="1" dirty="0" err="1">
-                <a:latin typeface="Arial" panose="020B0604020202020204" pitchFamily="34" charset="0"/>
-                <a:cs typeface="Arial" panose="020B0604020202020204" pitchFamily="34" charset="0"/>
-              </a:rPr>
-              <a:t>Hiper</a:t>
-            </a:r>
-            <a:r>
-              <a:rPr lang="tr-TR" sz="1900" b="1" dirty="0">
-                <a:latin typeface="Arial" panose="020B0604020202020204" pitchFamily="34" charset="0"/>
-                <a:cs typeface="Arial" panose="020B0604020202020204" pitchFamily="34" charset="0"/>
-              </a:rPr>
-              <a:t> Metin Transferi Protokolü):  </a:t>
-            </a:r>
+              <a:t>HTTP Ne İşe Yarar?</a:t>
+            </a:r>
+          </a:p>
+          <a:p>
+            <a:pPr fontAlgn="t"/>
             <a:r>
               <a:rPr lang="tr-TR" sz="1900" dirty="0">
                 <a:latin typeface="Arial" panose="020B0604020202020204" pitchFamily="34" charset="0"/>
                 <a:cs typeface="Arial" panose="020B0604020202020204" pitchFamily="34" charset="0"/>
               </a:rPr>
-              <a:t>Web tarayıcıdan veya istemciden gelen talepler ile web sunucularından gelen cevaplar arasındaki yolu sağlayan yapıdır. HTML belgeleri, resimler, videolar, sorgu sonuçları vb. veriler, World </a:t>
-            </a:r>
-            <a:r>
-              <a:rPr lang="tr-TR" sz="1900" dirty="0" err="1">
-                <a:latin typeface="Arial" panose="020B0604020202020204" pitchFamily="34" charset="0"/>
-                <a:cs typeface="Arial" panose="020B0604020202020204" pitchFamily="34" charset="0"/>
-              </a:rPr>
-              <a:t>Wide</a:t>
-            </a:r>
-            <a:r>
-              <a:rPr lang="tr-TR" sz="1900" dirty="0">
-                <a:latin typeface="Arial" panose="020B0604020202020204" pitchFamily="34" charset="0"/>
-                <a:cs typeface="Arial" panose="020B0604020202020204" pitchFamily="34" charset="0"/>
-              </a:rPr>
-              <a:t> </a:t>
-            </a:r>
-            <a:r>
-              <a:rPr lang="tr-TR" sz="1900" dirty="0" err="1">
-                <a:latin typeface="Arial" panose="020B0604020202020204" pitchFamily="34" charset="0"/>
-                <a:cs typeface="Arial" panose="020B0604020202020204" pitchFamily="34" charset="0"/>
-              </a:rPr>
-              <a:t>Web'de</a:t>
-            </a:r>
-            <a:r>
-              <a:rPr lang="tr-TR" sz="1900" dirty="0">
-                <a:latin typeface="Arial" panose="020B0604020202020204" pitchFamily="34" charset="0"/>
-                <a:cs typeface="Arial" panose="020B0604020202020204" pitchFamily="34" charset="0"/>
-              </a:rPr>
-              <a:t> TCP kullanılarak HTTP tarafından iletilir.</a:t>
-            </a:r>
-          </a:p>
-          <a:p>
-            <a:pPr fontAlgn="t"/>
-            <a:r>
-              <a:rPr lang="tr-TR" sz="1900" b="1" dirty="0">
-                <a:latin typeface="Arial" panose="020B0604020202020204" pitchFamily="34" charset="0"/>
-                <a:cs typeface="Arial" panose="020B0604020202020204" pitchFamily="34" charset="0"/>
-              </a:rPr>
-              <a:t>HTTP Ne İşe Yarar?</a:t>
-            </a:r>
-          </a:p>
-          <a:p>
-            <a:pPr fontAlgn="t"/>
-            <a:r>
-              <a:rPr lang="tr-TR" sz="1900" dirty="0">
-                <a:latin typeface="Arial" panose="020B0604020202020204" pitchFamily="34" charset="0"/>
-                <a:cs typeface="Arial" panose="020B0604020202020204" pitchFamily="34" charset="0"/>
-              </a:rPr>
-              <a:t>İnternet tarayıcımızı açıp bir web sitesine giriş yapmak için adresini başında http koyarak yazıp </a:t>
-            </a:r>
-            <a:r>
-              <a:rPr lang="tr-TR" sz="1900" dirty="0" err="1">
-                <a:latin typeface="Arial" panose="020B0604020202020204" pitchFamily="34" charset="0"/>
-                <a:cs typeface="Arial" panose="020B0604020202020204" pitchFamily="34" charset="0"/>
-              </a:rPr>
-              <a:t>enter</a:t>
-            </a:r>
-            <a:r>
-              <a:rPr lang="tr-TR" sz="1900" dirty="0">
-                <a:latin typeface="Arial" panose="020B0604020202020204" pitchFamily="34" charset="0"/>
-                <a:cs typeface="Arial" panose="020B0604020202020204" pitchFamily="34" charset="0"/>
-              </a:rPr>
-              <a:t> tuşuna bastığımızda, aslında web tarayıcınız bağlanmak istediğiniz internet sitesinin web sunucusunda bir http komutu gönderir. İstek ve cevap olarak yanıtlanan bu olayın gerçekleşmesinin sonucundaysa karşınıza web sitesi getirilir. Başka bir deyişle </a:t>
-            </a:r>
-            <a:r>
-              <a:rPr lang="tr-TR" sz="1900" dirty="0" err="1">
-                <a:latin typeface="Arial" panose="020B0604020202020204" pitchFamily="34" charset="0"/>
-                <a:cs typeface="Arial" panose="020B0604020202020204" pitchFamily="34" charset="0"/>
-              </a:rPr>
-              <a:t>HTTP’ye</a:t>
-            </a:r>
-            <a:r>
-              <a:rPr lang="tr-TR" sz="1900" dirty="0">
-                <a:latin typeface="Arial" panose="020B0604020202020204" pitchFamily="34" charset="0"/>
-                <a:cs typeface="Arial" panose="020B0604020202020204" pitchFamily="34" charset="0"/>
-              </a:rPr>
-              <a:t> daha genel bir çerçeveden bakarak kullanıcıların internet sitelerine bağlanabilmelerine olanak sağlayan anahtardır diyebiliriz.</a:t>
+              <a:t>İnternet tarayıcımızı açıp bir web sitesine giriş yapmak için adresini başında http koyarak yazıp enter tuşuna bastığımızda, aslında web tarayıcınız bağlanmak istediğiniz internet sitesinin web sunucusunda bir http komutu gönderir. İstek ve cevap olarak yanıtlanan bu olayın gerçekleşmesinin sonucundaysa karşınıza web sitesi getirilir. Başka bir deyişle HTTP’ye daha genel bir çerçeveden bakarak kullanıcıların internet sitelerine bağlanabilmelerine olanak sağlayan anahtardır diyebiliriz.</a:t>
             </a:r>
           </a:p>
           <a:p>
@@ -4413,18 +4238,11 @@
               <a:t>3) </a:t>
             </a:r>
             <a:r>
-              <a:rPr lang="tr-TR" cap="none" dirty="0" err="1">
-                <a:latin typeface="Arial" panose="020B0604020202020204" pitchFamily="34" charset="0"/>
-                <a:cs typeface="Arial" panose="020B0604020202020204" pitchFamily="34" charset="0"/>
-              </a:rPr>
-              <a:t>Npm</a:t>
-            </a:r>
-            <a:r>
               <a:rPr lang="tr-TR" cap="none" dirty="0">
                 <a:latin typeface="Arial" panose="020B0604020202020204" pitchFamily="34" charset="0"/>
                 <a:cs typeface="Arial" panose="020B0604020202020204" pitchFamily="34" charset="0"/>
               </a:rPr>
-              <a:t> Node.js Nedir? </a:t>
+              <a:t>Npm Node.js Nedir? </a:t>
             </a:r>
             <a:endParaRPr lang="tr-TR" dirty="0">
               <a:latin typeface="Arial" panose="020B0604020202020204" pitchFamily="34" charset="0"/>
@@ -4461,126 +4279,41 @@
                 <a:latin typeface="Arial" panose="020B0604020202020204" pitchFamily="34" charset="0"/>
                 <a:cs typeface="Arial" panose="020B0604020202020204" pitchFamily="34" charset="0"/>
               </a:rPr>
-              <a:t>NPM (</a:t>
-            </a:r>
-            <a:r>
-              <a:rPr lang="tr-TR" b="1" dirty="0" err="1">
-                <a:latin typeface="Arial" panose="020B0604020202020204" pitchFamily="34" charset="0"/>
-                <a:cs typeface="Arial" panose="020B0604020202020204" pitchFamily="34" charset="0"/>
-              </a:rPr>
-              <a:t>Node</a:t>
-            </a:r>
-            <a:r>
-              <a:rPr lang="tr-TR" b="1" dirty="0">
-                <a:latin typeface="Arial" panose="020B0604020202020204" pitchFamily="34" charset="0"/>
-                <a:cs typeface="Arial" panose="020B0604020202020204" pitchFamily="34" charset="0"/>
-              </a:rPr>
-              <a:t> </a:t>
-            </a:r>
-            <a:r>
-              <a:rPr lang="tr-TR" b="1" dirty="0" err="1">
-                <a:latin typeface="Arial" panose="020B0604020202020204" pitchFamily="34" charset="0"/>
-                <a:cs typeface="Arial" panose="020B0604020202020204" pitchFamily="34" charset="0"/>
-              </a:rPr>
-              <a:t>Package</a:t>
-            </a:r>
-            <a:r>
-              <a:rPr lang="tr-TR" b="1" dirty="0">
-                <a:latin typeface="Arial" panose="020B0604020202020204" pitchFamily="34" charset="0"/>
-                <a:cs typeface="Arial" panose="020B0604020202020204" pitchFamily="34" charset="0"/>
-              </a:rPr>
-              <a:t> Manager / </a:t>
-            </a:r>
-            <a:r>
-              <a:rPr lang="tr-TR" b="1" dirty="0" err="1">
-                <a:latin typeface="Arial" panose="020B0604020202020204" pitchFamily="34" charset="0"/>
-                <a:cs typeface="Arial" panose="020B0604020202020204" pitchFamily="34" charset="0"/>
-              </a:rPr>
-              <a:t>Node</a:t>
-            </a:r>
-            <a:r>
-              <a:rPr lang="tr-TR" b="1" dirty="0">
-                <a:latin typeface="Arial" panose="020B0604020202020204" pitchFamily="34" charset="0"/>
-                <a:cs typeface="Arial" panose="020B0604020202020204" pitchFamily="34" charset="0"/>
-              </a:rPr>
-              <a:t> </a:t>
-            </a:r>
-            <a:r>
-              <a:rPr lang="tr-TR" b="1" dirty="0" err="1">
-                <a:latin typeface="Arial" panose="020B0604020202020204" pitchFamily="34" charset="0"/>
-                <a:cs typeface="Arial" panose="020B0604020202020204" pitchFamily="34" charset="0"/>
-              </a:rPr>
-              <a:t>Packaged</a:t>
-            </a:r>
-            <a:r>
-              <a:rPr lang="tr-TR" b="1" dirty="0">
-                <a:latin typeface="Arial" panose="020B0604020202020204" pitchFamily="34" charset="0"/>
-                <a:cs typeface="Arial" panose="020B0604020202020204" pitchFamily="34" charset="0"/>
-              </a:rPr>
-              <a:t> </a:t>
-            </a:r>
-            <a:r>
-              <a:rPr lang="tr-TR" b="1" dirty="0" err="1">
-                <a:latin typeface="Arial" panose="020B0604020202020204" pitchFamily="34" charset="0"/>
-                <a:cs typeface="Arial" panose="020B0604020202020204" pitchFamily="34" charset="0"/>
-              </a:rPr>
-              <a:t>Modules</a:t>
-            </a:r>
-            <a:r>
-              <a:rPr lang="tr-TR" b="1" dirty="0">
-                <a:latin typeface="Arial" panose="020B0604020202020204" pitchFamily="34" charset="0"/>
-                <a:cs typeface="Arial" panose="020B0604020202020204" pitchFamily="34" charset="0"/>
-              </a:rPr>
-              <a:t>): </a:t>
+              <a:t>NPM (Node Package Manager / Node Packaged Modules): </a:t>
             </a:r>
             <a:r>
               <a:rPr lang="tr-TR" dirty="0">
                 <a:latin typeface="Arial" panose="020B0604020202020204" pitchFamily="34" charset="0"/>
                 <a:cs typeface="Arial" panose="020B0604020202020204" pitchFamily="34" charset="0"/>
               </a:rPr>
-              <a:t>Isaac Z. </a:t>
-            </a:r>
-            <a:r>
-              <a:rPr lang="tr-TR" dirty="0" err="1">
-                <a:latin typeface="Arial" panose="020B0604020202020204" pitchFamily="34" charset="0"/>
-                <a:cs typeface="Arial" panose="020B0604020202020204" pitchFamily="34" charset="0"/>
-              </a:rPr>
-              <a:t>Schueter</a:t>
-            </a:r>
+              <a:t>Isaac Z. Schueter tarafından tarafından, tamamen JavaScript dili kullanılarak geliştirilen, temel olarak bir harici olarak sunulan yazılımların / paketlerin / modüllerin yönetimini sağlayan bir paket yöneticisidir.</a:t>
+            </a:r>
+          </a:p>
+          <a:p>
             <a:r>
               <a:rPr lang="tr-TR" dirty="0">
                 <a:latin typeface="Arial" panose="020B0604020202020204" pitchFamily="34" charset="0"/>
                 <a:cs typeface="Arial" panose="020B0604020202020204" pitchFamily="34" charset="0"/>
               </a:rPr>
-              <a:t> tarafından </a:t>
-            </a:r>
-            <a:r>
-              <a:rPr lang="tr-TR" dirty="0" err="1">
-                <a:latin typeface="Arial" panose="020B0604020202020204" pitchFamily="34" charset="0"/>
-                <a:cs typeface="Arial" panose="020B0604020202020204" pitchFamily="34" charset="0"/>
-              </a:rPr>
-              <a:t>tarafından</a:t>
-            </a:r>
+              <a:t>Aslında npm projemizdeki paketlerin yönetimini otomatikleştiriyor diyebiliriz. Npm ile temel olarak yapabileceğimiz şeyler ise şöyledir :</a:t>
+            </a:r>
+          </a:p>
+          <a:p>
             <a:r>
               <a:rPr lang="tr-TR" dirty="0">
                 <a:latin typeface="Arial" panose="020B0604020202020204" pitchFamily="34" charset="0"/>
                 <a:cs typeface="Arial" panose="020B0604020202020204" pitchFamily="34" charset="0"/>
               </a:rPr>
-              <a:t>, tamamen </a:t>
-            </a:r>
-            <a:r>
-              <a:rPr lang="tr-TR" dirty="0" err="1">
-                <a:latin typeface="Arial" panose="020B0604020202020204" pitchFamily="34" charset="0"/>
-                <a:cs typeface="Arial" panose="020B0604020202020204" pitchFamily="34" charset="0"/>
-              </a:rPr>
-              <a:t>JavaScript</a:t>
-            </a:r>
+              <a:t>➩ Otomatik ya da manuel olarak paketleri yükleme</a:t>
+            </a:r>
+          </a:p>
+          <a:p>
             <a:r>
               <a:rPr lang="tr-TR" dirty="0">
                 <a:latin typeface="Arial" panose="020B0604020202020204" pitchFamily="34" charset="0"/>
                 <a:cs typeface="Arial" panose="020B0604020202020204" pitchFamily="34" charset="0"/>
               </a:rPr>
-              <a:t> dili kullanılarak geliştirilen, temel olarak bir harici olarak sunulan yazılımların / paketlerin / modüllerin yönetimini sağlayan bir paket yöneticisidir.</a:t>
+              <a:t>➩ Sistemdeki paketleri silmek</a:t>
             </a:r>
           </a:p>
           <a:p>
@@ -4589,101 +4322,25 @@
                 <a:latin typeface="Arial" panose="020B0604020202020204" pitchFamily="34" charset="0"/>
                 <a:cs typeface="Arial" panose="020B0604020202020204" pitchFamily="34" charset="0"/>
               </a:rPr>
-              <a:t>Aslında </a:t>
-            </a:r>
-            <a:r>
-              <a:rPr lang="tr-TR" dirty="0" err="1">
-                <a:latin typeface="Arial" panose="020B0604020202020204" pitchFamily="34" charset="0"/>
-                <a:cs typeface="Arial" panose="020B0604020202020204" pitchFamily="34" charset="0"/>
-              </a:rPr>
-              <a:t>npm</a:t>
-            </a:r>
+              <a:t>➩ Sistemdeki paketleri listeleme</a:t>
+            </a:r>
+          </a:p>
+          <a:p>
             <a:r>
               <a:rPr lang="tr-TR" dirty="0">
                 <a:latin typeface="Arial" panose="020B0604020202020204" pitchFamily="34" charset="0"/>
                 <a:cs typeface="Arial" panose="020B0604020202020204" pitchFamily="34" charset="0"/>
               </a:rPr>
-              <a:t> projemizdeki paketlerin yönetimini otomatikleştiriyor diyebiliriz. </a:t>
-            </a:r>
-            <a:r>
-              <a:rPr lang="tr-TR" dirty="0" err="1">
-                <a:latin typeface="Arial" panose="020B0604020202020204" pitchFamily="34" charset="0"/>
-                <a:cs typeface="Arial" panose="020B0604020202020204" pitchFamily="34" charset="0"/>
-              </a:rPr>
-              <a:t>Npm</a:t>
-            </a:r>
+              <a:t>➩ Sistemdeki paketleri update etmek</a:t>
+            </a:r>
+          </a:p>
+          <a:p>
             <a:r>
               <a:rPr lang="tr-TR" dirty="0">
                 <a:latin typeface="Arial" panose="020B0604020202020204" pitchFamily="34" charset="0"/>
                 <a:cs typeface="Arial" panose="020B0604020202020204" pitchFamily="34" charset="0"/>
               </a:rPr>
-              <a:t> ile temel olarak yapabileceğimiz şeyler ise şöyledir :</a:t>
-            </a:r>
-          </a:p>
-          <a:p>
-            <a:r>
-              <a:rPr lang="tr-TR" dirty="0">
-                <a:latin typeface="Arial" panose="020B0604020202020204" pitchFamily="34" charset="0"/>
-                <a:cs typeface="Arial" panose="020B0604020202020204" pitchFamily="34" charset="0"/>
-              </a:rPr>
-              <a:t>➩ Otomatik ya da manuel olarak paketleri yükleme</a:t>
-            </a:r>
-          </a:p>
-          <a:p>
-            <a:r>
-              <a:rPr lang="tr-TR" dirty="0">
-                <a:latin typeface="Arial" panose="020B0604020202020204" pitchFamily="34" charset="0"/>
-                <a:cs typeface="Arial" panose="020B0604020202020204" pitchFamily="34" charset="0"/>
-              </a:rPr>
-              <a:t>➩ Sistemdeki paketleri silmek</a:t>
-            </a:r>
-          </a:p>
-          <a:p>
-            <a:r>
-              <a:rPr lang="tr-TR" dirty="0">
-                <a:latin typeface="Arial" panose="020B0604020202020204" pitchFamily="34" charset="0"/>
-                <a:cs typeface="Arial" panose="020B0604020202020204" pitchFamily="34" charset="0"/>
-              </a:rPr>
-              <a:t>➩ Sistemdeki paketleri listeleme</a:t>
-            </a:r>
-          </a:p>
-          <a:p>
-            <a:r>
-              <a:rPr lang="tr-TR" dirty="0">
-                <a:latin typeface="Arial" panose="020B0604020202020204" pitchFamily="34" charset="0"/>
-                <a:cs typeface="Arial" panose="020B0604020202020204" pitchFamily="34" charset="0"/>
-              </a:rPr>
-              <a:t>➩ Sistemdeki paketleri </a:t>
-            </a:r>
-            <a:r>
-              <a:rPr lang="tr-TR" dirty="0" err="1">
-                <a:latin typeface="Arial" panose="020B0604020202020204" pitchFamily="34" charset="0"/>
-                <a:cs typeface="Arial" panose="020B0604020202020204" pitchFamily="34" charset="0"/>
-              </a:rPr>
-              <a:t>update</a:t>
-            </a:r>
-            <a:r>
-              <a:rPr lang="tr-TR" dirty="0">
-                <a:latin typeface="Arial" panose="020B0604020202020204" pitchFamily="34" charset="0"/>
-                <a:cs typeface="Arial" panose="020B0604020202020204" pitchFamily="34" charset="0"/>
-              </a:rPr>
-              <a:t> etmek</a:t>
-            </a:r>
-          </a:p>
-          <a:p>
-            <a:r>
-              <a:rPr lang="tr-TR" dirty="0" err="1">
-                <a:latin typeface="Arial" panose="020B0604020202020204" pitchFamily="34" charset="0"/>
-                <a:cs typeface="Arial" panose="020B0604020202020204" pitchFamily="34" charset="0"/>
-              </a:rPr>
-              <a:t>Npm</a:t>
-            </a:r>
-            <a:r>
-              <a:rPr lang="tr-TR" dirty="0">
-                <a:latin typeface="Arial" panose="020B0604020202020204" pitchFamily="34" charset="0"/>
-                <a:cs typeface="Arial" panose="020B0604020202020204" pitchFamily="34" charset="0"/>
-              </a:rPr>
-              <a:t> komut satırı üzerinden çalışan bir uygulamadır.</a:t>
+              <a:t>Npm komut satırı üzerinden çalışan bir uygulamadır.</a:t>
             </a:r>
           </a:p>
           <a:p>
@@ -4753,18 +4410,11 @@
               <a:t>3) </a:t>
             </a:r>
             <a:r>
-              <a:rPr lang="tr-TR" cap="none" dirty="0" err="1">
-                <a:latin typeface="Arial" panose="020B0604020202020204" pitchFamily="34" charset="0"/>
-                <a:cs typeface="Arial" panose="020B0604020202020204" pitchFamily="34" charset="0"/>
-              </a:rPr>
-              <a:t>Npm</a:t>
-            </a:r>
-            <a:r>
               <a:rPr lang="tr-TR" cap="none" dirty="0">
                 <a:latin typeface="Arial" panose="020B0604020202020204" pitchFamily="34" charset="0"/>
                 <a:cs typeface="Arial" panose="020B0604020202020204" pitchFamily="34" charset="0"/>
               </a:rPr>
-              <a:t> Node.js Nedir? </a:t>
+              <a:t>Npm Node.js Nedir? </a:t>
             </a:r>
             <a:endParaRPr lang="tr-TR" dirty="0">
               <a:latin typeface="Arial" panose="020B0604020202020204" pitchFamily="34" charset="0"/>
@@ -4809,25 +4459,11 @@
               <a:t>Node.js </a:t>
             </a:r>
             <a:r>
-              <a:rPr lang="tr-TR" sz="2900" b="1" dirty="0" err="1">
-                <a:latin typeface="Arial" panose="020B0604020202020204" pitchFamily="34" charset="0"/>
-                <a:cs typeface="Arial" panose="020B0604020202020204" pitchFamily="34" charset="0"/>
-              </a:rPr>
-              <a:t>Ryan</a:t>
-            </a:r>
-            <a:r>
               <a:rPr lang="tr-TR" sz="2900" b="1" dirty="0">
                 <a:latin typeface="Arial" panose="020B0604020202020204" pitchFamily="34" charset="0"/>
                 <a:cs typeface="Arial" panose="020B0604020202020204" pitchFamily="34" charset="0"/>
               </a:rPr>
-              <a:t> </a:t>
-            </a:r>
-            <a:r>
-              <a:rPr lang="tr-TR" sz="2900" b="1" dirty="0" err="1">
-                <a:latin typeface="Arial" panose="020B0604020202020204" pitchFamily="34" charset="0"/>
-                <a:cs typeface="Arial" panose="020B0604020202020204" pitchFamily="34" charset="0"/>
-              </a:rPr>
-              <a:t>Dahl</a:t>
+              <a:t>Ryan Dahl</a:t>
             </a:r>
             <a:r>
               <a:rPr lang="tr-TR" sz="2900" dirty="0">
@@ -4848,49 +4484,34 @@
                 <a:latin typeface="Arial" panose="020B0604020202020204" pitchFamily="34" charset="0"/>
                 <a:cs typeface="Arial" panose="020B0604020202020204" pitchFamily="34" charset="0"/>
               </a:rPr>
-              <a:t> tarayıcısının </a:t>
-            </a:r>
-            <a:r>
-              <a:rPr lang="tr-TR" sz="2900" dirty="0" err="1">
-                <a:latin typeface="Arial" panose="020B0604020202020204" pitchFamily="34" charset="0"/>
-                <a:cs typeface="Arial" panose="020B0604020202020204" pitchFamily="34" charset="0"/>
-              </a:rPr>
-              <a:t>JavaScript</a:t>
-            </a:r>
+              <a:t> tarayıcısının JavaScript komutlarını çalıştırmak için kullandığı V8 JavaScript motoruna çeşitli eklemeler yaparak JavaScript komutlarının sunucu tarafında çalışması için geliştirilmiştir.</a:t>
+            </a:r>
+          </a:p>
+          <a:p>
             <a:r>
               <a:rPr lang="tr-TR" sz="2900" dirty="0">
                 <a:latin typeface="Arial" panose="020B0604020202020204" pitchFamily="34" charset="0"/>
                 <a:cs typeface="Arial" panose="020B0604020202020204" pitchFamily="34" charset="0"/>
               </a:rPr>
-              <a:t> komutlarını çalıştırmak için kullandığı V8 </a:t>
-            </a:r>
-            <a:r>
-              <a:rPr lang="tr-TR" sz="2900" dirty="0" err="1">
-                <a:latin typeface="Arial" panose="020B0604020202020204" pitchFamily="34" charset="0"/>
-                <a:cs typeface="Arial" panose="020B0604020202020204" pitchFamily="34" charset="0"/>
-              </a:rPr>
-              <a:t>JavaScript</a:t>
-            </a:r>
+              <a:t>V8 motoru C/C++ ile geliştirilmiş JavaScript komutlarını makine diline çevirmek için kullanılan bir ara yazılımdır.</a:t>
+            </a:r>
+          </a:p>
+          <a:p>
             <a:r>
               <a:rPr lang="tr-TR" sz="2900" dirty="0">
                 <a:latin typeface="Arial" panose="020B0604020202020204" pitchFamily="34" charset="0"/>
                 <a:cs typeface="Arial" panose="020B0604020202020204" pitchFamily="34" charset="0"/>
               </a:rPr>
-              <a:t> motoruna çeşitli eklemeler yaparak </a:t>
-            </a:r>
-            <a:r>
-              <a:rPr lang="tr-TR" sz="2900" dirty="0" err="1">
-                <a:latin typeface="Arial" panose="020B0604020202020204" pitchFamily="34" charset="0"/>
-                <a:cs typeface="Arial" panose="020B0604020202020204" pitchFamily="34" charset="0"/>
-              </a:rPr>
-              <a:t>JavaScript</a:t>
-            </a:r>
+              <a:t>Komutların makine koduna çevrilmesi JavaScript komutlarının daha hızlı ve performanslı çalışmasını sağlar.</a:t>
+            </a:r>
+          </a:p>
+          <a:p>
             <a:r>
               <a:rPr lang="tr-TR" sz="2900" dirty="0">
                 <a:latin typeface="Arial" panose="020B0604020202020204" pitchFamily="34" charset="0"/>
                 <a:cs typeface="Arial" panose="020B0604020202020204" pitchFamily="34" charset="0"/>
               </a:rPr>
-              <a:t> komutlarının sunucu tarafında çalışması için geliştirilmiştir.</a:t>
+              <a:t>Node.js; bir JavaScript kodunu sadece tarayıcılarda değil aynı zamanda bilgisayarınızda bağımsız şekilde çalışacak bir uygulama şeklinde kullanmak istenmesinden ortaya çıkmıştır. </a:t>
             </a:r>
           </a:p>
           <a:p>
@@ -4899,127 +4520,16 @@
                 <a:latin typeface="Arial" panose="020B0604020202020204" pitchFamily="34" charset="0"/>
                 <a:cs typeface="Arial" panose="020B0604020202020204" pitchFamily="34" charset="0"/>
               </a:rPr>
-              <a:t>V8 motoru C/C++ ile geliştirilmiş </a:t>
-            </a:r>
-            <a:r>
-              <a:rPr lang="tr-TR" sz="2900" dirty="0" err="1">
-                <a:latin typeface="Arial" panose="020B0604020202020204" pitchFamily="34" charset="0"/>
-                <a:cs typeface="Arial" panose="020B0604020202020204" pitchFamily="34" charset="0"/>
-              </a:rPr>
-              <a:t>JavaScript</a:t>
-            </a:r>
+              <a:t>Böylece JavaScript sadece web uygulamaları için kullanılan bir teknoloji olmaktan çıkmış, Python gibi Java gibi programlama dilleri ile aynı kapasitelere ulaşmıştır.</a:t>
+            </a:r>
+          </a:p>
+          <a:p>
             <a:r>
               <a:rPr lang="tr-TR" sz="2900" dirty="0">
                 <a:latin typeface="Arial" panose="020B0604020202020204" pitchFamily="34" charset="0"/>
                 <a:cs typeface="Arial" panose="020B0604020202020204" pitchFamily="34" charset="0"/>
               </a:rPr>
-              <a:t> komutlarını makine diline çevirmek için kullanılan bir ara yazılımdır.</a:t>
-            </a:r>
-          </a:p>
-          <a:p>
-            <a:r>
-              <a:rPr lang="tr-TR" sz="2900" dirty="0">
-                <a:latin typeface="Arial" panose="020B0604020202020204" pitchFamily="34" charset="0"/>
-                <a:cs typeface="Arial" panose="020B0604020202020204" pitchFamily="34" charset="0"/>
-              </a:rPr>
-              <a:t>Komutların makine koduna çevrilmesi </a:t>
-            </a:r>
-            <a:r>
-              <a:rPr lang="tr-TR" sz="2900" dirty="0" err="1">
-                <a:latin typeface="Arial" panose="020B0604020202020204" pitchFamily="34" charset="0"/>
-                <a:cs typeface="Arial" panose="020B0604020202020204" pitchFamily="34" charset="0"/>
-              </a:rPr>
-              <a:t>JavaScript</a:t>
-            </a:r>
-            <a:r>
-              <a:rPr lang="tr-TR" sz="2900" dirty="0">
-                <a:latin typeface="Arial" panose="020B0604020202020204" pitchFamily="34" charset="0"/>
-                <a:cs typeface="Arial" panose="020B0604020202020204" pitchFamily="34" charset="0"/>
-              </a:rPr>
-              <a:t> komutlarının daha hızlı ve performanslı çalışmasını sağlar.</a:t>
-            </a:r>
-          </a:p>
-          <a:p>
-            <a:r>
-              <a:rPr lang="tr-TR" sz="2900" dirty="0">
-                <a:latin typeface="Arial" panose="020B0604020202020204" pitchFamily="34" charset="0"/>
-                <a:cs typeface="Arial" panose="020B0604020202020204" pitchFamily="34" charset="0"/>
-              </a:rPr>
-              <a:t>Node.js; bir </a:t>
-            </a:r>
-            <a:r>
-              <a:rPr lang="tr-TR" sz="2900" dirty="0" err="1">
-                <a:latin typeface="Arial" panose="020B0604020202020204" pitchFamily="34" charset="0"/>
-                <a:cs typeface="Arial" panose="020B0604020202020204" pitchFamily="34" charset="0"/>
-              </a:rPr>
-              <a:t>JavaScript</a:t>
-            </a:r>
-            <a:r>
-              <a:rPr lang="tr-TR" sz="2900" dirty="0">
-                <a:latin typeface="Arial" panose="020B0604020202020204" pitchFamily="34" charset="0"/>
-                <a:cs typeface="Arial" panose="020B0604020202020204" pitchFamily="34" charset="0"/>
-              </a:rPr>
-              <a:t> kodunu sadece tarayıcılarda değil aynı zamanda bilgisayarınızda bağımsız şekilde çalışacak bir uygulama şeklinde kullanmak istenmesinden ortaya çıkmıştır. </a:t>
-            </a:r>
-          </a:p>
-          <a:p>
-            <a:r>
-              <a:rPr lang="tr-TR" sz="2900" dirty="0">
-                <a:latin typeface="Arial" panose="020B0604020202020204" pitchFamily="34" charset="0"/>
-                <a:cs typeface="Arial" panose="020B0604020202020204" pitchFamily="34" charset="0"/>
-              </a:rPr>
-              <a:t>Böylece </a:t>
-            </a:r>
-            <a:r>
-              <a:rPr lang="tr-TR" sz="2900" dirty="0" err="1">
-                <a:latin typeface="Arial" panose="020B0604020202020204" pitchFamily="34" charset="0"/>
-                <a:cs typeface="Arial" panose="020B0604020202020204" pitchFamily="34" charset="0"/>
-              </a:rPr>
-              <a:t>JavaScript</a:t>
-            </a:r>
-            <a:r>
-              <a:rPr lang="tr-TR" sz="2900" dirty="0">
-                <a:latin typeface="Arial" panose="020B0604020202020204" pitchFamily="34" charset="0"/>
-                <a:cs typeface="Arial" panose="020B0604020202020204" pitchFamily="34" charset="0"/>
-              </a:rPr>
-              <a:t> sadece web uygulamaları için kullanılan bir teknoloji olmaktan çıkmış, </a:t>
-            </a:r>
-            <a:r>
-              <a:rPr lang="tr-TR" sz="2900" dirty="0" err="1">
-                <a:latin typeface="Arial" panose="020B0604020202020204" pitchFamily="34" charset="0"/>
-                <a:cs typeface="Arial" panose="020B0604020202020204" pitchFamily="34" charset="0"/>
-              </a:rPr>
-              <a:t>Python</a:t>
-            </a:r>
-            <a:r>
-              <a:rPr lang="tr-TR" sz="2900" dirty="0">
-                <a:latin typeface="Arial" panose="020B0604020202020204" pitchFamily="34" charset="0"/>
-                <a:cs typeface="Arial" panose="020B0604020202020204" pitchFamily="34" charset="0"/>
-              </a:rPr>
-              <a:t> gibi Java gibi programlama dilleri ile aynı kapasitelere ulaşmıştır.</a:t>
-            </a:r>
-          </a:p>
-          <a:p>
-            <a:r>
-              <a:rPr lang="tr-TR" sz="2900" dirty="0">
-                <a:latin typeface="Arial" panose="020B0604020202020204" pitchFamily="34" charset="0"/>
-                <a:cs typeface="Arial" panose="020B0604020202020204" pitchFamily="34" charset="0"/>
-              </a:rPr>
-              <a:t>V8 engine </a:t>
-            </a:r>
-            <a:r>
-              <a:rPr lang="tr-TR" sz="2900" dirty="0" err="1">
-                <a:latin typeface="Arial" panose="020B0604020202020204" pitchFamily="34" charset="0"/>
-                <a:cs typeface="Arial" panose="020B0604020202020204" pitchFamily="34" charset="0"/>
-              </a:rPr>
-              <a:t>JavaScript</a:t>
-            </a:r>
-            <a:r>
-              <a:rPr lang="tr-TR" sz="2900" dirty="0">
-                <a:latin typeface="Arial" panose="020B0604020202020204" pitchFamily="34" charset="0"/>
-                <a:cs typeface="Arial" panose="020B0604020202020204" pitchFamily="34" charset="0"/>
-              </a:rPr>
-              <a:t> kodu makine koduna çevirdiği için uygulamalar çok hızlı performanslara erişebilmektedir. </a:t>
+              <a:t>V8 engine JavaScript kodu makine koduna çevirdiği için uygulamalar çok hızlı performanslara erişebilmektedir. </a:t>
             </a:r>
           </a:p>
           <a:p>
@@ -5201,25 +4711,11 @@
           </a:p>
           <a:p>
             <a:r>
-              <a:rPr lang="tr-TR" b="1" dirty="0" err="1">
-                <a:latin typeface="Arial" panose="020B0604020202020204" pitchFamily="34" charset="0"/>
-                <a:cs typeface="Arial" panose="020B0604020202020204" pitchFamily="34" charset="0"/>
-              </a:rPr>
-              <a:t>Lambda</a:t>
-            </a:r>
-            <a:r>
               <a:rPr lang="tr-TR" b="1" dirty="0">
                 <a:latin typeface="Arial" panose="020B0604020202020204" pitchFamily="34" charset="0"/>
                 <a:cs typeface="Arial" panose="020B0604020202020204" pitchFamily="34" charset="0"/>
               </a:rPr>
-              <a:t> </a:t>
-            </a:r>
-            <a:r>
-              <a:rPr lang="tr-TR" b="1" dirty="0" err="1">
-                <a:latin typeface="Arial" panose="020B0604020202020204" pitchFamily="34" charset="0"/>
-                <a:cs typeface="Arial" panose="020B0604020202020204" pitchFamily="34" charset="0"/>
-              </a:rPr>
-              <a:t>expressions</a:t>
+              <a:t>Lambda expressions</a:t>
             </a:r>
             <a:endParaRPr lang="tr-TR" dirty="0">
               <a:latin typeface="Arial" panose="020B0604020202020204" pitchFamily="34" charset="0"/>
@@ -5228,25 +4724,11 @@
           </a:p>
           <a:p>
             <a:r>
-              <a:rPr lang="tr-TR" b="1" dirty="0" err="1">
-                <a:latin typeface="Arial" panose="020B0604020202020204" pitchFamily="34" charset="0"/>
-                <a:cs typeface="Arial" panose="020B0604020202020204" pitchFamily="34" charset="0"/>
-              </a:rPr>
-              <a:t>Functional</a:t>
-            </a:r>
-            <a:r>
               <a:rPr lang="tr-TR" b="1" dirty="0">
                 <a:latin typeface="Arial" panose="020B0604020202020204" pitchFamily="34" charset="0"/>
                 <a:cs typeface="Arial" panose="020B0604020202020204" pitchFamily="34" charset="0"/>
               </a:rPr>
-              <a:t> </a:t>
-            </a:r>
-            <a:r>
-              <a:rPr lang="tr-TR" b="1" dirty="0" err="1">
-                <a:latin typeface="Arial" panose="020B0604020202020204" pitchFamily="34" charset="0"/>
-                <a:cs typeface="Arial" panose="020B0604020202020204" pitchFamily="34" charset="0"/>
-              </a:rPr>
-              <a:t>interfaces</a:t>
+              <a:t>Functional interfaces</a:t>
             </a:r>
             <a:endParaRPr lang="tr-TR" dirty="0">
               <a:latin typeface="Arial" panose="020B0604020202020204" pitchFamily="34" charset="0"/>
@@ -5255,25 +4737,11 @@
           </a:p>
           <a:p>
             <a:r>
-              <a:rPr lang="tr-TR" b="1" dirty="0" err="1">
-                <a:latin typeface="Arial" panose="020B0604020202020204" pitchFamily="34" charset="0"/>
-                <a:cs typeface="Arial" panose="020B0604020202020204" pitchFamily="34" charset="0"/>
-              </a:rPr>
-              <a:t>Method</a:t>
-            </a:r>
-            <a:r>
               <a:rPr lang="tr-TR" b="1" dirty="0">
                 <a:latin typeface="Arial" panose="020B0604020202020204" pitchFamily="34" charset="0"/>
                 <a:cs typeface="Arial" panose="020B0604020202020204" pitchFamily="34" charset="0"/>
               </a:rPr>
-              <a:t> </a:t>
-            </a:r>
-            <a:r>
-              <a:rPr lang="tr-TR" b="1" dirty="0" err="1">
-                <a:latin typeface="Arial" panose="020B0604020202020204" pitchFamily="34" charset="0"/>
-                <a:cs typeface="Arial" panose="020B0604020202020204" pitchFamily="34" charset="0"/>
-              </a:rPr>
-              <a:t>references</a:t>
+              <a:t>Method references</a:t>
             </a:r>
             <a:endParaRPr lang="tr-TR" dirty="0">
               <a:latin typeface="Arial" panose="020B0604020202020204" pitchFamily="34" charset="0"/>
@@ -5282,18 +4750,11 @@
           </a:p>
           <a:p>
             <a:r>
-              <a:rPr lang="tr-TR" b="1" dirty="0" err="1">
-                <a:latin typeface="Arial" panose="020B0604020202020204" pitchFamily="34" charset="0"/>
-                <a:cs typeface="Arial" panose="020B0604020202020204" pitchFamily="34" charset="0"/>
-              </a:rPr>
-              <a:t>Stream</a:t>
-            </a:r>
-            <a:r>
               <a:rPr lang="tr-TR" b="1" dirty="0">
                 <a:latin typeface="Arial" panose="020B0604020202020204" pitchFamily="34" charset="0"/>
                 <a:cs typeface="Arial" panose="020B0604020202020204" pitchFamily="34" charset="0"/>
               </a:rPr>
-              <a:t> API</a:t>
+              <a:t>Stream API</a:t>
             </a:r>
             <a:endParaRPr lang="tr-TR" dirty="0">
               <a:latin typeface="Arial" panose="020B0604020202020204" pitchFamily="34" charset="0"/>
@@ -5302,25 +4763,11 @@
           </a:p>
           <a:p>
             <a:r>
-              <a:rPr lang="tr-TR" b="1" dirty="0" err="1">
-                <a:latin typeface="Arial" panose="020B0604020202020204" pitchFamily="34" charset="0"/>
-                <a:cs typeface="Arial" panose="020B0604020202020204" pitchFamily="34" charset="0"/>
-              </a:rPr>
-              <a:t>Optional</a:t>
-            </a:r>
-            <a:r>
               <a:rPr lang="tr-TR" b="1" dirty="0">
                 <a:latin typeface="Arial" panose="020B0604020202020204" pitchFamily="34" charset="0"/>
                 <a:cs typeface="Arial" panose="020B0604020202020204" pitchFamily="34" charset="0"/>
               </a:rPr>
-              <a:t> </a:t>
-            </a:r>
-            <a:r>
-              <a:rPr lang="tr-TR" b="1" dirty="0" err="1">
-                <a:latin typeface="Arial" panose="020B0604020202020204" pitchFamily="34" charset="0"/>
-                <a:cs typeface="Arial" panose="020B0604020202020204" pitchFamily="34" charset="0"/>
-              </a:rPr>
-              <a:t>class</a:t>
+              <a:t>Optional class</a:t>
             </a:r>
             <a:endParaRPr lang="tr-TR" dirty="0">
               <a:latin typeface="Arial" panose="020B0604020202020204" pitchFamily="34" charset="0"/>
@@ -5329,25 +4776,11 @@
           </a:p>
           <a:p>
             <a:r>
-              <a:rPr lang="tr-TR" b="1" dirty="0" err="1">
-                <a:latin typeface="Arial" panose="020B0604020202020204" pitchFamily="34" charset="0"/>
-                <a:cs typeface="Arial" panose="020B0604020202020204" pitchFamily="34" charset="0"/>
-              </a:rPr>
-              <a:t>Concurrency</a:t>
-            </a:r>
-            <a:r>
               <a:rPr lang="tr-TR" b="1" dirty="0">
                 <a:latin typeface="Arial" panose="020B0604020202020204" pitchFamily="34" charset="0"/>
                 <a:cs typeface="Arial" panose="020B0604020202020204" pitchFamily="34" charset="0"/>
               </a:rPr>
-              <a:t> </a:t>
-            </a:r>
-            <a:r>
-              <a:rPr lang="tr-TR" b="1" dirty="0" err="1">
-                <a:latin typeface="Arial" panose="020B0604020202020204" pitchFamily="34" charset="0"/>
-                <a:cs typeface="Arial" panose="020B0604020202020204" pitchFamily="34" charset="0"/>
-              </a:rPr>
-              <a:t>Enhancements</a:t>
+              <a:t>Concurrency Enhancements</a:t>
             </a:r>
             <a:endParaRPr lang="tr-TR" dirty="0">
               <a:latin typeface="Arial" panose="020B0604020202020204" pitchFamily="34" charset="0"/>
@@ -5360,35 +4793,7 @@
                 <a:latin typeface="Arial" panose="020B0604020202020204" pitchFamily="34" charset="0"/>
                 <a:cs typeface="Arial" panose="020B0604020202020204" pitchFamily="34" charset="0"/>
               </a:rPr>
-              <a:t>JDBC </a:t>
-            </a:r>
-            <a:r>
-              <a:rPr lang="tr-TR" b="1" dirty="0" err="1">
-                <a:latin typeface="Arial" panose="020B0604020202020204" pitchFamily="34" charset="0"/>
-                <a:cs typeface="Arial" panose="020B0604020202020204" pitchFamily="34" charset="0"/>
-              </a:rPr>
-              <a:t>Enhancements</a:t>
-            </a:r>
-            <a:r>
-              <a:rPr lang="tr-TR" b="1" dirty="0">
-                <a:latin typeface="Arial" panose="020B0604020202020204" pitchFamily="34" charset="0"/>
-                <a:cs typeface="Arial" panose="020B0604020202020204" pitchFamily="34" charset="0"/>
-              </a:rPr>
-              <a:t> </a:t>
-            </a:r>
-            <a:r>
-              <a:rPr lang="tr-TR" b="1" dirty="0" err="1">
-                <a:latin typeface="Arial" panose="020B0604020202020204" pitchFamily="34" charset="0"/>
-                <a:cs typeface="Arial" panose="020B0604020202020204" pitchFamily="34" charset="0"/>
-              </a:rPr>
-              <a:t>etc</a:t>
-            </a:r>
-            <a:r>
-              <a:rPr lang="tr-TR" b="1" dirty="0">
-                <a:latin typeface="Arial" panose="020B0604020202020204" pitchFamily="34" charset="0"/>
-                <a:cs typeface="Arial" panose="020B0604020202020204" pitchFamily="34" charset="0"/>
-              </a:rPr>
-              <a:t>.</a:t>
+              <a:t>JDBC Enhancements etc.</a:t>
             </a:r>
           </a:p>
           <a:p>
@@ -5400,21 +4805,7 @@
                 <a:latin typeface="Arial" panose="020B0604020202020204" pitchFamily="34" charset="0"/>
                 <a:cs typeface="Arial" panose="020B0604020202020204" pitchFamily="34" charset="0"/>
               </a:rPr>
-              <a:t>Java SE 8'in öne çıkan özelliği, </a:t>
-            </a:r>
-            <a:r>
-              <a:rPr lang="tr-TR" dirty="0" err="1">
-                <a:latin typeface="Arial" panose="020B0604020202020204" pitchFamily="34" charset="0"/>
-                <a:cs typeface="Arial" panose="020B0604020202020204" pitchFamily="34" charset="0"/>
-              </a:rPr>
-              <a:t>Lambda</a:t>
-            </a:r>
-            <a:r>
-              <a:rPr lang="tr-TR" dirty="0">
-                <a:latin typeface="Arial" panose="020B0604020202020204" pitchFamily="34" charset="0"/>
-                <a:cs typeface="Arial" panose="020B0604020202020204" pitchFamily="34" charset="0"/>
-              </a:rPr>
-              <a:t> ifadelerinin uygulanması ve Java programlama dili ve platformunu destekleyen yönleridir. Bu yeni API, geliştiricilerin tarih ve saati daha doğal, net ve anlaşılması kolay şekilde ele almasına izin vermektedir.</a:t>
+              <a:t>Java SE 8'in öne çıkan özelliği, Lambda ifadelerinin uygulanması ve Java programlama dili ve platformunu destekleyen yönleridir. Bu yeni API, geliştiricilerin tarih ve saati daha doğal, net ve anlaşılması kolay şekilde ele almasına izin vermektedir.</a:t>
             </a:r>
           </a:p>
           <a:p>
@@ -5481,74 +4872,39 @@
           <a:lstStyle/>
           <a:p>
             <a:r>
+              <a:rPr lang="tr-TR" sz="1600" b="1" cap="none" dirty="0">
+                <a:latin typeface="Arial" panose="020B0604020202020204" pitchFamily="34" charset="0"/>
+                <a:cs typeface="Arial" panose="020B0604020202020204" pitchFamily="34" charset="0"/>
+              </a:rPr>
+              <a:t>Oracle Java SE Desteği Yol Haritası</a:t>
+            </a:r>
+            <a:r>
+              <a:rPr lang="tr-TR" sz="1600" b="1" dirty="0">
+                <a:latin typeface="Arial" panose="020B0604020202020204" pitchFamily="34" charset="0"/>
+                <a:cs typeface="Arial" panose="020B0604020202020204" pitchFamily="34" charset="0"/>
+              </a:rPr>
+              <a:t> / </a:t>
+            </a:r>
+            <a:r>
+              <a:rPr lang="tr-TR" sz="1600" b="1" cap="none" dirty="0">
+                <a:latin typeface="Arial" panose="020B0604020202020204" pitchFamily="34" charset="0"/>
+                <a:cs typeface="Arial" panose="020B0604020202020204" pitchFamily="34" charset="0"/>
+              </a:rPr>
+              <a:t>LTS (</a:t>
+            </a:r>
+            <a:r>
               <a:rPr lang="tr-TR" sz="1600" b="1" cap="none" dirty="0" err="1">
                 <a:latin typeface="Arial" panose="020B0604020202020204" pitchFamily="34" charset="0"/>
                 <a:cs typeface="Arial" panose="020B0604020202020204" pitchFamily="34" charset="0"/>
               </a:rPr>
-              <a:t>Oracle</a:t>
+              <a:t>Long</a:t>
             </a:r>
             <a:r>
               <a:rPr lang="tr-TR" sz="1600" b="1" cap="none" dirty="0">
                 <a:latin typeface="Arial" panose="020B0604020202020204" pitchFamily="34" charset="0"/>
                 <a:cs typeface="Arial" panose="020B0604020202020204" pitchFamily="34" charset="0"/>
               </a:rPr>
-              <a:t> Java SE Desteği Yol Haritası</a:t>
-            </a:r>
-            <a:r>
-              <a:rPr lang="tr-TR" sz="1600" b="1" dirty="0">
-                <a:latin typeface="Arial" panose="020B0604020202020204" pitchFamily="34" charset="0"/>
-                <a:cs typeface="Arial" panose="020B0604020202020204" pitchFamily="34" charset="0"/>
-              </a:rPr>
-              <a:t> /</a:t>
-            </a:r>
-            <a:r>
-              <a:rPr lang="tr-TR" sz="1600" b="1" cap="none" dirty="0">
-                <a:latin typeface="Arial" panose="020B0604020202020204" pitchFamily="34" charset="0"/>
-                <a:cs typeface="Arial" panose="020B0604020202020204" pitchFamily="34" charset="0"/>
-              </a:rPr>
-              <a:t>LTS (</a:t>
-            </a:r>
-            <a:r>
-              <a:rPr lang="tr-TR" sz="1600" b="1" cap="none" dirty="0" err="1">
-                <a:latin typeface="Arial" panose="020B0604020202020204" pitchFamily="34" charset="0"/>
-                <a:cs typeface="Arial" panose="020B0604020202020204" pitchFamily="34" charset="0"/>
-              </a:rPr>
-              <a:t>long</a:t>
-            </a:r>
-            <a:r>
-              <a:rPr lang="tr-TR" sz="1600" b="1" cap="none" dirty="0">
-                <a:latin typeface="Arial" panose="020B0604020202020204" pitchFamily="34" charset="0"/>
-                <a:cs typeface="Arial" panose="020B0604020202020204" pitchFamily="34" charset="0"/>
-              </a:rPr>
-              <a:t> </a:t>
-            </a:r>
-            <a:r>
-              <a:rPr lang="tr-TR" sz="1600" b="1" cap="none" dirty="0" err="1">
-                <a:latin typeface="Arial" panose="020B0604020202020204" pitchFamily="34" charset="0"/>
-                <a:cs typeface="Arial" panose="020B0604020202020204" pitchFamily="34" charset="0"/>
-              </a:rPr>
-              <a:t>Term</a:t>
-            </a:r>
-            <a:r>
-              <a:rPr lang="tr-TR" sz="1600" b="1" cap="none" dirty="0">
-                <a:latin typeface="Arial" panose="020B0604020202020204" pitchFamily="34" charset="0"/>
-                <a:cs typeface="Arial" panose="020B0604020202020204" pitchFamily="34" charset="0"/>
-              </a:rPr>
-              <a:t> </a:t>
-            </a:r>
-            <a:r>
-              <a:rPr lang="tr-TR" sz="1600" b="1" cap="none" dirty="0" err="1">
-                <a:latin typeface="Arial" panose="020B0604020202020204" pitchFamily="34" charset="0"/>
-                <a:cs typeface="Arial" panose="020B0604020202020204" pitchFamily="34" charset="0"/>
-              </a:rPr>
-              <a:t>Support</a:t>
-            </a:r>
-            <a:r>
-              <a:rPr lang="tr-TR" sz="1600" b="1" cap="none" dirty="0">
-                <a:latin typeface="Arial" panose="020B0604020202020204" pitchFamily="34" charset="0"/>
-                <a:cs typeface="Arial" panose="020B0604020202020204" pitchFamily="34" charset="0"/>
-              </a:rPr>
-              <a:t> - Uzun Süreli Destek Sürümü):</a:t>
+              <a:t> Term Support - Uzun Süreli Destek Sürümü):</a:t>
             </a:r>
             <a:br>
               <a:rPr lang="tr-TR" sz="1400" b="1" cap="none" dirty="0">
@@ -5567,18 +4923,11 @@
               <a:rPr lang="tr-TR" sz="1200" cap="none" dirty="0"/>
             </a:br>
             <a:r>
-              <a:rPr lang="tr-TR" sz="1400" cap="none" dirty="0" err="1">
-                <a:latin typeface="Arial" panose="020B0604020202020204" pitchFamily="34" charset="0"/>
-                <a:cs typeface="Arial" panose="020B0604020202020204" pitchFamily="34" charset="0"/>
-              </a:rPr>
-              <a:t>Oracle</a:t>
-            </a:r>
-            <a:r>
               <a:rPr lang="tr-TR" sz="1400" cap="none" dirty="0">
                 <a:latin typeface="Arial" panose="020B0604020202020204" pitchFamily="34" charset="0"/>
                 <a:cs typeface="Arial" panose="020B0604020202020204" pitchFamily="34" charset="0"/>
               </a:rPr>
-              <a:t> Java 8 için aralık 2030'a kadar ek bakım ve yükseltmeler içeren ücretli genişletilmiş düzeyde destek sunmayı kabul etti. Java 8 için genişletilmiş düzeyde desteğin 2025'te sona ermesi gerekiyordu, ancak müşteriler bir uzatma istedi. Uzun süreli destek sürümü ve yeni özellikleriyle Java 8 kullanımı daha fazla tercih ediliyor</a:t>
+              <a:t>Oracle Java 8 için aralık 2030'a kadar ek bakım ve yükseltmeler içeren ücretli genişletilmiş düzeyde destek sunmayı kabul etti. Java 8 için genişletilmiş düzeyde desteğin 2025'te sona ermesi gerekiyordu, ancak müşteriler bir uzatma istedi. Uzun süreli destek sürümü ve yeni özellikleriyle Java 8 kullanımı daha fazla tercih ediliyor</a:t>
             </a:r>
             <a:r>
               <a:rPr lang="tr-TR" sz="1400" dirty="0">
